--- a/Apresentação_MPEI.pptx
+++ b/Apresentação_MPEI.pptx
@@ -119,7 +119,7 @@
   </p:defaultTextStyle>
   <p:extLst>
     <p:ext uri="{EFAFB233-063F-42B5-8137-9DF3F51BA10A}">
-      <p15:sldGuideLst xmlns:p15="http://schemas.microsoft.com/office/powerpoint/2012/main"/>
+      <p15:sldGuideLst xmlns:p15="http://schemas.microsoft.com/office/powerpoint/2012/main" xmlns=""/>
     </p:ext>
   </p:extLst>
 </p:presentation>
@@ -997,6 +997,13 @@
         </dgm:presLayoutVars>
       </dgm:prSet>
       <dgm:spPr/>
+      <dgm:t>
+        <a:bodyPr/>
+        <a:lstStyle/>
+        <a:p>
+          <a:endParaRPr lang="pt-PT"/>
+        </a:p>
+      </dgm:t>
     </dgm:pt>
     <dgm:pt modelId="{FDF353E9-077C-4EC9-94EE-D67780E08936}" type="pres">
       <dgm:prSet presAssocID="{9719BAC7-E2DE-4005-B867-7481F5901039}" presName="hierRoot1" presStyleCnt="0"/>
@@ -1017,6 +1024,13 @@
         </dgm:presLayoutVars>
       </dgm:prSet>
       <dgm:spPr/>
+      <dgm:t>
+        <a:bodyPr/>
+        <a:lstStyle/>
+        <a:p>
+          <a:endParaRPr lang="pt-PT"/>
+        </a:p>
+      </dgm:t>
     </dgm:pt>
     <dgm:pt modelId="{4D1E1C98-A59E-4039-B905-8E5D3AA6CD3A}" type="pres">
       <dgm:prSet presAssocID="{9719BAC7-E2DE-4005-B867-7481F5901039}" presName="hierChild2" presStyleCnt="0"/>
@@ -1041,6 +1055,13 @@
         </dgm:presLayoutVars>
       </dgm:prSet>
       <dgm:spPr/>
+      <dgm:t>
+        <a:bodyPr/>
+        <a:lstStyle/>
+        <a:p>
+          <a:endParaRPr lang="pt-PT"/>
+        </a:p>
+      </dgm:t>
     </dgm:pt>
     <dgm:pt modelId="{576214D1-903F-4390-BBAA-2259E0316F93}" type="pres">
       <dgm:prSet presAssocID="{6AF00966-1FD1-4BD1-B298-F63A0328E7AF}" presName="hierChild2" presStyleCnt="0"/>
@@ -1048,11 +1069,11 @@
     </dgm:pt>
   </dgm:ptLst>
   <dgm:cxnLst>
+    <dgm:cxn modelId="{E5953251-FB9E-4036-B6C8-79750E06DCD6}" type="presOf" srcId="{9719BAC7-E2DE-4005-B867-7481F5901039}" destId="{F8EFB95D-D06F-4F7E-8C47-7220EE047B15}" srcOrd="0" destOrd="0" presId="urn:microsoft.com/office/officeart/2005/8/layout/hierarchy1"/>
+    <dgm:cxn modelId="{1CD9C794-8DCA-4E65-A7E6-05A06342EFE3}" srcId="{8A2E25C9-2598-44A0-A4F8-59B5B3DB36D3}" destId="{6AF00966-1FD1-4BD1-B298-F63A0328E7AF}" srcOrd="1" destOrd="0" parTransId="{F4245BE6-571B-407F-817D-AC210C366922}" sibTransId="{490D8543-12A2-4116-9944-01FC18F09F52}"/>
     <dgm:cxn modelId="{7CE1005C-A691-481F-9E8D-8DC3DCC9A2FE}" type="presOf" srcId="{6AF00966-1FD1-4BD1-B298-F63A0328E7AF}" destId="{A2C7067D-2A24-457B-A563-D207F8BC5F45}" srcOrd="0" destOrd="0" presId="urn:microsoft.com/office/officeart/2005/8/layout/hierarchy1"/>
-    <dgm:cxn modelId="{E5953251-FB9E-4036-B6C8-79750E06DCD6}" type="presOf" srcId="{9719BAC7-E2DE-4005-B867-7481F5901039}" destId="{F8EFB95D-D06F-4F7E-8C47-7220EE047B15}" srcOrd="0" destOrd="0" presId="urn:microsoft.com/office/officeart/2005/8/layout/hierarchy1"/>
+    <dgm:cxn modelId="{84AD16BA-8624-4F61-B7AD-4F5A2FD533BE}" srcId="{8A2E25C9-2598-44A0-A4F8-59B5B3DB36D3}" destId="{9719BAC7-E2DE-4005-B867-7481F5901039}" srcOrd="0" destOrd="0" parTransId="{02FD2C21-805E-4876-883E-7A3797649E31}" sibTransId="{DE75EC88-C9C0-4A7F-884A-B1EBB47652EB}"/>
     <dgm:cxn modelId="{1DBDA071-5281-4542-A8B5-EE18A1426955}" type="presOf" srcId="{8A2E25C9-2598-44A0-A4F8-59B5B3DB36D3}" destId="{C45BFF81-E5B7-4E92-A46A-ACB551F037C2}" srcOrd="0" destOrd="0" presId="urn:microsoft.com/office/officeart/2005/8/layout/hierarchy1"/>
-    <dgm:cxn modelId="{1CD9C794-8DCA-4E65-A7E6-05A06342EFE3}" srcId="{8A2E25C9-2598-44A0-A4F8-59B5B3DB36D3}" destId="{6AF00966-1FD1-4BD1-B298-F63A0328E7AF}" srcOrd="1" destOrd="0" parTransId="{F4245BE6-571B-407F-817D-AC210C366922}" sibTransId="{490D8543-12A2-4116-9944-01FC18F09F52}"/>
-    <dgm:cxn modelId="{84AD16BA-8624-4F61-B7AD-4F5A2FD533BE}" srcId="{8A2E25C9-2598-44A0-A4F8-59B5B3DB36D3}" destId="{9719BAC7-E2DE-4005-B867-7481F5901039}" srcOrd="0" destOrd="0" parTransId="{02FD2C21-805E-4876-883E-7A3797649E31}" sibTransId="{DE75EC88-C9C0-4A7F-884A-B1EBB47652EB}"/>
     <dgm:cxn modelId="{FB2B3F28-6CCB-43E7-A8CD-F46A301C25C2}" type="presParOf" srcId="{C45BFF81-E5B7-4E92-A46A-ACB551F037C2}" destId="{FDF353E9-077C-4EC9-94EE-D67780E08936}" srcOrd="0" destOrd="0" presId="urn:microsoft.com/office/officeart/2005/8/layout/hierarchy1"/>
     <dgm:cxn modelId="{CBEA9A51-FF50-400F-B9F6-B3F3D3F1F830}" type="presParOf" srcId="{FDF353E9-077C-4EC9-94EE-D67780E08936}" destId="{39953EFF-4178-448C-B5DE-03FEE7B0FADC}" srcOrd="0" destOrd="0" presId="urn:microsoft.com/office/officeart/2005/8/layout/hierarchy1"/>
     <dgm:cxn modelId="{626C97A2-87E3-41E8-A52C-8050AF28979B}" type="presParOf" srcId="{39953EFF-4178-448C-B5DE-03FEE7B0FADC}" destId="{72D6AE22-3532-4437-97F3-2C103D64F23B}" srcOrd="0" destOrd="0" presId="urn:microsoft.com/office/officeart/2005/8/layout/hierarchy1"/>
@@ -1068,7 +1089,7 @@
   <dgm:whole/>
   <dgm:extLst>
     <a:ext uri="http://schemas.microsoft.com/office/drawing/2008/diagram">
-      <dsp:dataModelExt xmlns:dsp="http://schemas.microsoft.com/office/drawing/2008/diagram" relId="rId6" minVer="http://schemas.openxmlformats.org/drawingml/2006/diagram"/>
+      <dsp:dataModelExt xmlns:dsp="http://schemas.microsoft.com/office/drawing/2008/diagram" xmlns="" relId="rId6" minVer="http://schemas.openxmlformats.org/drawingml/2006/diagram"/>
     </a:ext>
   </dgm:extLst>
 </dgm:dataModel>
@@ -3121,6 +3142,7 @@
           <a:p>
             <a:fld id="{846CE7D5-CF57-46EF-B807-FDD0502418D4}" type="datetimeFigureOut">
               <a:rPr lang="en-US" smtClean="0"/>
+              <a:pPr/>
               <a:t>12/17/2024</a:t>
             </a:fld>
             <a:endParaRPr lang="en-US"/>
@@ -3163,6 +3185,7 @@
           <a:p>
             <a:fld id="{330EA680-D336-4FF7-8B7A-9848BB0A1C32}" type="slidenum">
               <a:rPr lang="en-US" smtClean="0"/>
+              <a:pPr/>
               <a:t>‹nº›</a:t>
             </a:fld>
             <a:endParaRPr lang="en-US"/>
@@ -3172,7 +3195,7 @@
     </p:spTree>
     <p:extLst>
       <p:ext uri="{BB962C8B-B14F-4D97-AF65-F5344CB8AC3E}">
-        <p14:creationId xmlns:p14="http://schemas.microsoft.com/office/powerpoint/2010/main" val="1216211465"/>
+        <p14:creationId xmlns:p14="http://schemas.microsoft.com/office/powerpoint/2010/main" xmlns="" val="1216211465"/>
       </p:ext>
     </p:extLst>
   </p:cSld>
@@ -3291,6 +3314,7 @@
           <a:p>
             <a:fld id="{846CE7D5-CF57-46EF-B807-FDD0502418D4}" type="datetimeFigureOut">
               <a:rPr lang="en-US" smtClean="0"/>
+              <a:pPr/>
               <a:t>12/17/2024</a:t>
             </a:fld>
             <a:endParaRPr lang="en-US"/>
@@ -3333,6 +3357,7 @@
           <a:p>
             <a:fld id="{330EA680-D336-4FF7-8B7A-9848BB0A1C32}" type="slidenum">
               <a:rPr lang="en-US" smtClean="0"/>
+              <a:pPr/>
               <a:t>‹nº›</a:t>
             </a:fld>
             <a:endParaRPr lang="en-US"/>
@@ -3342,7 +3367,7 @@
     </p:spTree>
     <p:extLst>
       <p:ext uri="{BB962C8B-B14F-4D97-AF65-F5344CB8AC3E}">
-        <p14:creationId xmlns:p14="http://schemas.microsoft.com/office/powerpoint/2010/main" val="1238414357"/>
+        <p14:creationId xmlns:p14="http://schemas.microsoft.com/office/powerpoint/2010/main" xmlns="" val="1238414357"/>
       </p:ext>
     </p:extLst>
   </p:cSld>
@@ -3471,6 +3496,7 @@
           <a:p>
             <a:fld id="{846CE7D5-CF57-46EF-B807-FDD0502418D4}" type="datetimeFigureOut">
               <a:rPr lang="en-US" smtClean="0"/>
+              <a:pPr/>
               <a:t>12/17/2024</a:t>
             </a:fld>
             <a:endParaRPr lang="en-US"/>
@@ -3513,6 +3539,7 @@
           <a:p>
             <a:fld id="{330EA680-D336-4FF7-8B7A-9848BB0A1C32}" type="slidenum">
               <a:rPr lang="en-US" smtClean="0"/>
+              <a:pPr/>
               <a:t>‹nº›</a:t>
             </a:fld>
             <a:endParaRPr lang="en-US"/>
@@ -3522,7 +3549,7 @@
     </p:spTree>
     <p:extLst>
       <p:ext uri="{BB962C8B-B14F-4D97-AF65-F5344CB8AC3E}">
-        <p14:creationId xmlns:p14="http://schemas.microsoft.com/office/powerpoint/2010/main" val="1210216202"/>
+        <p14:creationId xmlns:p14="http://schemas.microsoft.com/office/powerpoint/2010/main" xmlns="" val="1210216202"/>
       </p:ext>
     </p:extLst>
   </p:cSld>
@@ -3641,6 +3668,7 @@
           <a:p>
             <a:fld id="{846CE7D5-CF57-46EF-B807-FDD0502418D4}" type="datetimeFigureOut">
               <a:rPr lang="en-US" smtClean="0"/>
+              <a:pPr/>
               <a:t>12/17/2024</a:t>
             </a:fld>
             <a:endParaRPr lang="en-US"/>
@@ -3683,6 +3711,7 @@
           <a:p>
             <a:fld id="{330EA680-D336-4FF7-8B7A-9848BB0A1C32}" type="slidenum">
               <a:rPr lang="en-US" smtClean="0"/>
+              <a:pPr/>
               <a:t>‹nº›</a:t>
             </a:fld>
             <a:endParaRPr lang="en-US"/>
@@ -3692,7 +3721,7 @@
     </p:spTree>
     <p:extLst>
       <p:ext uri="{BB962C8B-B14F-4D97-AF65-F5344CB8AC3E}">
-        <p14:creationId xmlns:p14="http://schemas.microsoft.com/office/powerpoint/2010/main" val="2671476122"/>
+        <p14:creationId xmlns:p14="http://schemas.microsoft.com/office/powerpoint/2010/main" xmlns="" val="2671476122"/>
       </p:ext>
     </p:extLst>
   </p:cSld>
@@ -3909,6 +3938,7 @@
           <a:p>
             <a:fld id="{846CE7D5-CF57-46EF-B807-FDD0502418D4}" type="datetimeFigureOut">
               <a:rPr lang="en-US" smtClean="0"/>
+              <a:pPr/>
               <a:t>12/17/2024</a:t>
             </a:fld>
             <a:endParaRPr lang="en-US"/>
@@ -3951,6 +3981,7 @@
           <a:p>
             <a:fld id="{330EA680-D336-4FF7-8B7A-9848BB0A1C32}" type="slidenum">
               <a:rPr lang="en-US" smtClean="0"/>
+              <a:pPr/>
               <a:t>‹nº›</a:t>
             </a:fld>
             <a:endParaRPr lang="en-US"/>
@@ -3960,7 +3991,7 @@
     </p:spTree>
     <p:extLst>
       <p:ext uri="{BB962C8B-B14F-4D97-AF65-F5344CB8AC3E}">
-        <p14:creationId xmlns:p14="http://schemas.microsoft.com/office/powerpoint/2010/main" val="1868446342"/>
+        <p14:creationId xmlns:p14="http://schemas.microsoft.com/office/powerpoint/2010/main" xmlns="" val="1868446342"/>
       </p:ext>
     </p:extLst>
   </p:cSld>
@@ -4141,6 +4172,7 @@
           <a:p>
             <a:fld id="{846CE7D5-CF57-46EF-B807-FDD0502418D4}" type="datetimeFigureOut">
               <a:rPr lang="en-US" smtClean="0"/>
+              <a:pPr/>
               <a:t>12/17/2024</a:t>
             </a:fld>
             <a:endParaRPr lang="en-US"/>
@@ -4183,6 +4215,7 @@
           <a:p>
             <a:fld id="{330EA680-D336-4FF7-8B7A-9848BB0A1C32}" type="slidenum">
               <a:rPr lang="en-US" smtClean="0"/>
+              <a:pPr/>
               <a:t>‹nº›</a:t>
             </a:fld>
             <a:endParaRPr lang="en-US"/>
@@ -4192,7 +4225,7 @@
     </p:spTree>
     <p:extLst>
       <p:ext uri="{BB962C8B-B14F-4D97-AF65-F5344CB8AC3E}">
-        <p14:creationId xmlns:p14="http://schemas.microsoft.com/office/powerpoint/2010/main" val="129976814"/>
+        <p14:creationId xmlns:p14="http://schemas.microsoft.com/office/powerpoint/2010/main" xmlns="" val="129976814"/>
       </p:ext>
     </p:extLst>
   </p:cSld>
@@ -4500,6 +4533,7 @@
           <a:p>
             <a:fld id="{846CE7D5-CF57-46EF-B807-FDD0502418D4}" type="datetimeFigureOut">
               <a:rPr lang="en-US" smtClean="0"/>
+              <a:pPr/>
               <a:t>12/17/2024</a:t>
             </a:fld>
             <a:endParaRPr lang="en-US"/>
@@ -4542,6 +4576,7 @@
           <a:p>
             <a:fld id="{330EA680-D336-4FF7-8B7A-9848BB0A1C32}" type="slidenum">
               <a:rPr lang="en-US" smtClean="0"/>
+              <a:pPr/>
               <a:t>‹nº›</a:t>
             </a:fld>
             <a:endParaRPr lang="en-US"/>
@@ -4574,7 +4609,7 @@
     </p:spTree>
     <p:extLst>
       <p:ext uri="{BB962C8B-B14F-4D97-AF65-F5344CB8AC3E}">
-        <p14:creationId xmlns:p14="http://schemas.microsoft.com/office/powerpoint/2010/main" val="1696607734"/>
+        <p14:creationId xmlns:p14="http://schemas.microsoft.com/office/powerpoint/2010/main" xmlns="" val="1696607734"/>
       </p:ext>
     </p:extLst>
   </p:cSld>
@@ -4641,6 +4676,7 @@
           <a:p>
             <a:fld id="{846CE7D5-CF57-46EF-B807-FDD0502418D4}" type="datetimeFigureOut">
               <a:rPr lang="en-US" smtClean="0"/>
+              <a:pPr/>
               <a:t>12/17/2024</a:t>
             </a:fld>
             <a:endParaRPr lang="en-US"/>
@@ -4683,6 +4719,7 @@
           <a:p>
             <a:fld id="{330EA680-D336-4FF7-8B7A-9848BB0A1C32}" type="slidenum">
               <a:rPr lang="en-US" smtClean="0"/>
+              <a:pPr/>
               <a:t>‹nº›</a:t>
             </a:fld>
             <a:endParaRPr lang="en-US"/>
@@ -4692,7 +4729,7 @@
     </p:spTree>
     <p:extLst>
       <p:ext uri="{BB962C8B-B14F-4D97-AF65-F5344CB8AC3E}">
-        <p14:creationId xmlns:p14="http://schemas.microsoft.com/office/powerpoint/2010/main" val="1073796960"/>
+        <p14:creationId xmlns:p14="http://schemas.microsoft.com/office/powerpoint/2010/main" xmlns="" val="1073796960"/>
       </p:ext>
     </p:extLst>
   </p:cSld>
@@ -4736,6 +4773,7 @@
           <a:p>
             <a:fld id="{846CE7D5-CF57-46EF-B807-FDD0502418D4}" type="datetimeFigureOut">
               <a:rPr lang="en-US" smtClean="0"/>
+              <a:pPr/>
               <a:t>12/17/2024</a:t>
             </a:fld>
             <a:endParaRPr lang="en-US"/>
@@ -4778,6 +4816,7 @@
           <a:p>
             <a:fld id="{330EA680-D336-4FF7-8B7A-9848BB0A1C32}" type="slidenum">
               <a:rPr lang="en-US" smtClean="0"/>
+              <a:pPr/>
               <a:t>‹nº›</a:t>
             </a:fld>
             <a:endParaRPr lang="en-US"/>
@@ -4787,7 +4826,7 @@
     </p:spTree>
     <p:extLst>
       <p:ext uri="{BB962C8B-B14F-4D97-AF65-F5344CB8AC3E}">
-        <p14:creationId xmlns:p14="http://schemas.microsoft.com/office/powerpoint/2010/main" val="97598906"/>
+        <p14:creationId xmlns:p14="http://schemas.microsoft.com/office/powerpoint/2010/main" xmlns="" val="97598906"/>
       </p:ext>
     </p:extLst>
   </p:cSld>
@@ -5093,6 +5132,7 @@
           <a:p>
             <a:fld id="{846CE7D5-CF57-46EF-B807-FDD0502418D4}" type="datetimeFigureOut">
               <a:rPr lang="en-US" smtClean="0"/>
+              <a:pPr/>
               <a:t>12/17/2024</a:t>
             </a:fld>
             <a:endParaRPr lang="en-US"/>
@@ -5152,6 +5192,7 @@
           <a:p>
             <a:fld id="{330EA680-D336-4FF7-8B7A-9848BB0A1C32}" type="slidenum">
               <a:rPr lang="en-US" smtClean="0"/>
+              <a:pPr/>
               <a:t>‹nº›</a:t>
             </a:fld>
             <a:endParaRPr lang="en-US"/>
@@ -5161,7 +5202,7 @@
     </p:spTree>
     <p:extLst>
       <p:ext uri="{BB962C8B-B14F-4D97-AF65-F5344CB8AC3E}">
-        <p14:creationId xmlns:p14="http://schemas.microsoft.com/office/powerpoint/2010/main" val="634327391"/>
+        <p14:creationId xmlns:p14="http://schemas.microsoft.com/office/powerpoint/2010/main" xmlns="" val="634327391"/>
       </p:ext>
     </p:extLst>
   </p:cSld>
@@ -5452,6 +5493,7 @@
           <a:p>
             <a:fld id="{846CE7D5-CF57-46EF-B807-FDD0502418D4}" type="datetimeFigureOut">
               <a:rPr lang="en-US" smtClean="0"/>
+              <a:pPr/>
               <a:t>12/17/2024</a:t>
             </a:fld>
             <a:endParaRPr lang="en-US"/>
@@ -5511,6 +5553,7 @@
           <a:p>
             <a:fld id="{330EA680-D336-4FF7-8B7A-9848BB0A1C32}" type="slidenum">
               <a:rPr lang="en-US" smtClean="0"/>
+              <a:pPr/>
               <a:t>‹nº›</a:t>
             </a:fld>
             <a:endParaRPr lang="en-US"/>
@@ -5520,7 +5563,7 @@
     </p:spTree>
     <p:extLst>
       <p:ext uri="{BB962C8B-B14F-4D97-AF65-F5344CB8AC3E}">
-        <p14:creationId xmlns:p14="http://schemas.microsoft.com/office/powerpoint/2010/main" val="1607238682"/>
+        <p14:creationId xmlns:p14="http://schemas.microsoft.com/office/powerpoint/2010/main" xmlns="" val="1607238682"/>
       </p:ext>
     </p:extLst>
   </p:cSld>
@@ -5696,6 +5739,7 @@
           <a:p>
             <a:fld id="{846CE7D5-CF57-46EF-B807-FDD0502418D4}" type="datetimeFigureOut">
               <a:rPr lang="en-US" smtClean="0"/>
+              <a:pPr/>
               <a:t>12/17/2024</a:t>
             </a:fld>
             <a:endParaRPr lang="en-US"/>
@@ -5779,6 +5823,7 @@
           <a:p>
             <a:fld id="{330EA680-D336-4FF7-8B7A-9848BB0A1C32}" type="slidenum">
               <a:rPr lang="en-US" smtClean="0"/>
+              <a:pPr/>
               <a:t>‹nº›</a:t>
             </a:fld>
             <a:endParaRPr lang="en-US"/>
@@ -5788,7 +5833,7 @@
     </p:spTree>
     <p:extLst>
       <p:ext uri="{BB962C8B-B14F-4D97-AF65-F5344CB8AC3E}">
-        <p14:creationId xmlns:p14="http://schemas.microsoft.com/office/powerpoint/2010/main" val="3783245926"/>
+        <p14:creationId xmlns:p14="http://schemas.microsoft.com/office/powerpoint/2010/main" xmlns="" val="3783245926"/>
       </p:ext>
     </p:extLst>
   </p:cSld>
@@ -6161,10 +6206,10 @@
           <p:cNvPr id="9" name="Rectangle 8">
             <a:extLst>
               <a:ext uri="{FF2B5EF4-FFF2-40B4-BE49-F238E27FC236}">
-                <a16:creationId xmlns:a16="http://schemas.microsoft.com/office/drawing/2014/main" id="{C2AD7556-C90D-4946-8E4E-1E79D5B3D2F5}"/>
+                <a16:creationId xmlns:a16="http://schemas.microsoft.com/office/drawing/2014/main" xmlns="" id="{C2AD7556-C90D-4946-8E4E-1E79D5B3D2F5}"/>
               </a:ext>
               <a:ext uri="{C183D7F6-B498-43B3-948B-1728B52AA6E4}">
-                <adec:decorative xmlns:adec="http://schemas.microsoft.com/office/drawing/2017/decorative" val="1"/>
+                <adec:decorative xmlns:adec="http://schemas.microsoft.com/office/drawing/2017/decorative" xmlns="" val="1"/>
               </a:ext>
             </a:extLst>
           </p:cNvPr>
@@ -6174,7 +6219,7 @@
           <p:nvPr>
             <p:extLst>
               <p:ext uri="{386F3935-93C4-4BCD-93E2-E3B085C9AB24}">
-                <p16:designElem xmlns:p16="http://schemas.microsoft.com/office/powerpoint/2015/main" val="1"/>
+                <p16:designElem xmlns:p16="http://schemas.microsoft.com/office/powerpoint/2015/main" xmlns="" val="1"/>
               </p:ext>
             </p:extLst>
           </p:nvPr>
@@ -6221,10 +6266,10 @@
           <p:cNvPr id="11" name="Rectangle 10">
             <a:extLst>
               <a:ext uri="{FF2B5EF4-FFF2-40B4-BE49-F238E27FC236}">
-                <a16:creationId xmlns:a16="http://schemas.microsoft.com/office/drawing/2014/main" id="{DBB0CC56-54B2-4AE0-87C5-296E78A028BA}"/>
+                <a16:creationId xmlns:a16="http://schemas.microsoft.com/office/drawing/2014/main" xmlns="" id="{DBB0CC56-54B2-4AE0-87C5-296E78A028BA}"/>
               </a:ext>
               <a:ext uri="{C183D7F6-B498-43B3-948B-1728B52AA6E4}">
-                <adec:decorative xmlns:adec="http://schemas.microsoft.com/office/drawing/2017/decorative" val="1"/>
+                <adec:decorative xmlns:adec="http://schemas.microsoft.com/office/drawing/2017/decorative" xmlns="" val="1"/>
               </a:ext>
             </a:extLst>
           </p:cNvPr>
@@ -6234,7 +6279,7 @@
           <p:nvPr>
             <p:extLst>
               <p:ext uri="{386F3935-93C4-4BCD-93E2-E3B085C9AB24}">
-                <p16:designElem xmlns:p16="http://schemas.microsoft.com/office/powerpoint/2015/main" val="1"/>
+                <p16:designElem xmlns:p16="http://schemas.microsoft.com/office/powerpoint/2015/main" xmlns="" val="1"/>
               </p:ext>
             </p:extLst>
           </p:nvPr>
@@ -6402,7 +6447,7 @@
           <p:cNvPr id="4" name="Imagem 3" descr="Uma imagem com logótipo, Tipo de letra, Gráficos, símbolo&#10;&#10;Descrição gerada automaticamente">
             <a:extLst>
               <a:ext uri="{FF2B5EF4-FFF2-40B4-BE49-F238E27FC236}">
-                <a16:creationId xmlns:a16="http://schemas.microsoft.com/office/drawing/2014/main" id="{1D4EB111-F621-4E8E-A389-6093CE1571CF}"/>
+                <a16:creationId xmlns:a16="http://schemas.microsoft.com/office/drawing/2014/main" xmlns="" id="{1D4EB111-F621-4E8E-A389-6093CE1571CF}"/>
               </a:ext>
             </a:extLst>
           </p:cNvPr>
@@ -6415,7 +6460,7 @@
           <a:blip r:embed="rId2" cstate="print">
             <a:extLst>
               <a:ext uri="{28A0092B-C50C-407E-A947-70E740481C1C}">
-                <a14:useLocalDpi xmlns:a14="http://schemas.microsoft.com/office/drawing/2010/main" val="0"/>
+                <a14:useLocalDpi xmlns:a14="http://schemas.microsoft.com/office/drawing/2010/main" xmlns="" val="0"/>
               </a:ext>
             </a:extLst>
           </a:blip>
@@ -6436,7 +6481,7 @@
     </p:spTree>
     <p:extLst>
       <p:ext uri="{BB962C8B-B14F-4D97-AF65-F5344CB8AC3E}">
-        <p14:creationId xmlns:p14="http://schemas.microsoft.com/office/powerpoint/2010/main" val="109857222"/>
+        <p14:creationId xmlns:p14="http://schemas.microsoft.com/office/powerpoint/2010/main" xmlns="" val="109857222"/>
       </p:ext>
     </p:extLst>
   </p:cSld>
@@ -6454,7 +6499,7 @@
         <p:cNvPr id="1" name="">
           <a:extLst>
             <a:ext uri="{FF2B5EF4-FFF2-40B4-BE49-F238E27FC236}">
-              <a16:creationId xmlns:a16="http://schemas.microsoft.com/office/drawing/2014/main" id="{33C70478-CF2A-6528-B7F8-D6659E179FE1}"/>
+              <a16:creationId xmlns:a16="http://schemas.microsoft.com/office/drawing/2014/main" xmlns="" id="{33C70478-CF2A-6528-B7F8-D6659E179FE1}"/>
             </a:ext>
           </a:extLst>
         </p:cNvPr>
@@ -6474,7 +6519,7 @@
           <p:cNvPr id="2" name="Título 1">
             <a:extLst>
               <a:ext uri="{FF2B5EF4-FFF2-40B4-BE49-F238E27FC236}">
-                <a16:creationId xmlns:a16="http://schemas.microsoft.com/office/drawing/2014/main" id="{9B84D516-5C2C-A56D-1D99-FAB3324E6822}"/>
+                <a16:creationId xmlns:a16="http://schemas.microsoft.com/office/drawing/2014/main" xmlns="" id="{9B84D516-5C2C-A56D-1D99-FAB3324E6822}"/>
               </a:ext>
             </a:extLst>
           </p:cNvPr>
@@ -6530,7 +6575,7 @@
           <p:cNvPr id="6" name="Marcador de Posição de Conteúdo 2">
             <a:extLst>
               <a:ext uri="{FF2B5EF4-FFF2-40B4-BE49-F238E27FC236}">
-                <a16:creationId xmlns:a16="http://schemas.microsoft.com/office/drawing/2014/main" id="{E7A63C81-10DA-82EC-33B7-C4E739C05F1F}"/>
+                <a16:creationId xmlns:a16="http://schemas.microsoft.com/office/drawing/2014/main" xmlns="" id="{E7A63C81-10DA-82EC-33B7-C4E739C05F1F}"/>
               </a:ext>
             </a:extLst>
           </p:cNvPr>
@@ -6761,115 +6806,131 @@
           <a:p>
             <a:pPr algn="just"/>
             <a:r>
-              <a:rPr lang="pt-PT" sz="1800"/>
+              <a:rPr lang="pt-PT" sz="1800" dirty="0"/>
               <a:t>Divisão dos dados para treino e teste, 70% para treino e 30% para teste.</a:t>
             </a:r>
           </a:p>
           <a:p>
             <a:pPr algn="just"/>
             <a:r>
-              <a:rPr lang="pt-PT"/>
+              <a:rPr lang="pt-PT" dirty="0"/>
               <a:t>Foram previstas as classes dos atletas de teste, recorrendo ao módulo desenvolvido para o classificador de </a:t>
             </a:r>
             <a:r>
-              <a:rPr lang="pt-PT" i="1" err="1"/>
+              <a:rPr lang="pt-PT" i="1" dirty="0" err="1"/>
               <a:t>Naive</a:t>
             </a:r>
             <a:r>
-              <a:rPr lang="pt-PT"/>
+              <a:rPr lang="pt-PT" dirty="0"/>
               <a:t> </a:t>
             </a:r>
             <a:r>
-              <a:rPr lang="pt-PT" i="1" err="1"/>
+              <a:rPr lang="pt-PT" i="1" dirty="0" err="1"/>
               <a:t>Bayes</a:t>
             </a:r>
             <a:r>
-              <a:rPr lang="pt-PT"/>
-              <a:t> e foi comparado o valor obtido (</a:t>
-            </a:r>
-            <a:r>
-              <a:rPr lang="pt-PT" i="1" err="1"/>
-              <a:t>high</a:t>
-            </a:r>
-            <a:r>
-              <a:rPr lang="pt-PT"/>
-              <a:t> ou </a:t>
-            </a:r>
-            <a:r>
-              <a:rPr lang="pt-PT" i="1" err="1"/>
-              <a:t>low</a:t>
-            </a:r>
-            <a:r>
-              <a:rPr lang="pt-PT"/>
+              <a:rPr lang="pt-PT" dirty="0"/>
+              <a:t> e foi comparado o valor obtido </a:t>
+            </a:r>
+            <a:r>
+              <a:rPr lang="pt-PT" dirty="0" smtClean="0"/>
+              <a:t>(</a:t>
+            </a:r>
+            <a:r>
+              <a:rPr lang="pt-PT" i="1" dirty="0" err="1"/>
+              <a:t>H</a:t>
+            </a:r>
+            <a:r>
+              <a:rPr lang="pt-PT" i="1" dirty="0" err="1" smtClean="0"/>
+              <a:t>igh</a:t>
+            </a:r>
+            <a:r>
+              <a:rPr lang="pt-PT" dirty="0" smtClean="0"/>
+              <a:t> </a:t>
+            </a:r>
+            <a:r>
+              <a:rPr lang="pt-PT" dirty="0"/>
+              <a:t>ou </a:t>
+            </a:r>
+            <a:r>
+              <a:rPr lang="pt-PT" i="1" dirty="0" err="1"/>
+              <a:t>L</a:t>
+            </a:r>
+            <a:r>
+              <a:rPr lang="pt-PT" i="1" dirty="0" err="1" smtClean="0"/>
+              <a:t>ow</a:t>
+            </a:r>
+            <a:r>
+              <a:rPr lang="pt-PT" dirty="0"/>
               <a:t>) com o  valor real.</a:t>
             </a:r>
           </a:p>
           <a:p>
             <a:pPr algn="just"/>
             <a:r>
-              <a:rPr lang="pt-PT" sz="1800"/>
+              <a:rPr lang="pt-PT" sz="1800" dirty="0"/>
               <a:t>Foram calculados </a:t>
             </a:r>
             <a:r>
-              <a:rPr lang="pt-PT" sz="1800" i="1" err="1"/>
+              <a:rPr lang="pt-PT" sz="1800" i="1" dirty="0" err="1"/>
               <a:t>precision</a:t>
             </a:r>
             <a:r>
-              <a:rPr lang="pt-PT" sz="1800"/>
+              <a:rPr lang="pt-PT" sz="1800" dirty="0"/>
               <a:t> (</a:t>
             </a:r>
             <a:r>
-              <a:rPr lang="pt-PT" sz="1800" b="1"/>
+              <a:rPr lang="pt-PT" sz="1800" b="1" dirty="0"/>
               <a:t>~66%</a:t>
             </a:r>
             <a:r>
-              <a:rPr lang="pt-PT" sz="1800"/>
+              <a:rPr lang="pt-PT" sz="1800" dirty="0"/>
               <a:t>), </a:t>
             </a:r>
             <a:r>
-              <a:rPr lang="pt-PT" sz="1800" i="1" err="1"/>
+              <a:rPr lang="pt-PT" sz="1800" i="1" dirty="0" err="1"/>
               <a:t>recall</a:t>
             </a:r>
             <a:r>
-              <a:rPr lang="pt-PT" sz="1800"/>
+              <a:rPr lang="pt-PT" sz="1800" dirty="0"/>
               <a:t> (</a:t>
             </a:r>
             <a:r>
-              <a:rPr lang="pt-PT" sz="1800" b="1"/>
+              <a:rPr lang="pt-PT" sz="1800" b="1" dirty="0"/>
               <a:t>~47%</a:t>
             </a:r>
             <a:r>
-              <a:rPr lang="pt-PT" sz="1800"/>
+              <a:rPr lang="pt-PT" sz="1800" dirty="0"/>
               <a:t>) e </a:t>
             </a:r>
             <a:r>
-              <a:rPr lang="pt-PT" i="1"/>
+              <a:rPr lang="pt-PT" i="1" dirty="0"/>
               <a:t>F1-score</a:t>
             </a:r>
             <a:r>
-              <a:rPr lang="pt-PT"/>
+              <a:rPr lang="pt-PT" dirty="0"/>
               <a:t> (</a:t>
             </a:r>
             <a:r>
-              <a:rPr lang="pt-PT" b="1"/>
+              <a:rPr lang="pt-PT" b="1" dirty="0"/>
               <a:t>~55%</a:t>
             </a:r>
             <a:r>
-              <a:rPr lang="pt-PT"/>
+              <a:rPr lang="pt-PT" dirty="0"/>
               <a:t>).</a:t>
             </a:r>
           </a:p>
           <a:p>
             <a:pPr algn="just"/>
             <a:r>
-              <a:rPr lang="pt-PT" sz="1800"/>
+              <a:rPr lang="pt-PT" sz="1800" dirty="0"/>
               <a:t>Valores obtidos foram apenas suficientemente bons…</a:t>
             </a:r>
           </a:p>
           <a:p>
             <a:pPr algn="just"/>
             <a:r>
-              <a:rPr lang="pt-PT" b="1"/>
+              <a:rPr lang="pt-PT" b="1" dirty="0"/>
               <a:t>Possíveis problemas:</a:t>
             </a:r>
           </a:p>
@@ -6878,7 +6939,7 @@
               <a:buNone/>
             </a:pPr>
             <a:r>
-              <a:rPr lang="pt-PT" sz="1800"/>
+              <a:rPr lang="pt-PT" sz="1800" dirty="0"/>
               <a:t>	- Divisão das classes;</a:t>
             </a:r>
           </a:p>
@@ -6887,17 +6948,17 @@
               <a:buNone/>
             </a:pPr>
             <a:r>
-              <a:rPr lang="pt-PT"/>
+              <a:rPr lang="pt-PT" dirty="0"/>
               <a:t>	- Relevância das características utilizadas;</a:t>
             </a:r>
-            <a:endParaRPr lang="pt-PT" sz="1800"/>
+            <a:endParaRPr lang="pt-PT" sz="1800" dirty="0"/>
           </a:p>
           <a:p>
             <a:pPr marL="0" indent="0" algn="just">
               <a:buNone/>
             </a:pPr>
             <a:r>
-              <a:rPr lang="pt-PT"/>
+              <a:rPr lang="pt-PT" dirty="0"/>
               <a:t>	- Natureza dos dados;</a:t>
             </a:r>
           </a:p>
@@ -6908,7 +6969,7 @@
           <p:cNvPr id="5" name="CaixaDeTexto 4">
             <a:extLst>
               <a:ext uri="{FF2B5EF4-FFF2-40B4-BE49-F238E27FC236}">
-                <a16:creationId xmlns:a16="http://schemas.microsoft.com/office/drawing/2014/main" id="{1BC48187-5A0D-13D1-C6BC-C23AFD82710C}"/>
+                <a16:creationId xmlns:a16="http://schemas.microsoft.com/office/drawing/2014/main" xmlns="" id="{1BC48187-5A0D-13D1-C6BC-C23AFD82710C}"/>
               </a:ext>
             </a:extLst>
           </p:cNvPr>
@@ -6946,7 +7007,7 @@
           <p:cNvPr id="7" name="Imagem 6" descr="Uma imagem com texto, captura de ecrã, número, Tipo de letra&#10;&#10;Descrição gerada automaticamente">
             <a:extLst>
               <a:ext uri="{FF2B5EF4-FFF2-40B4-BE49-F238E27FC236}">
-                <a16:creationId xmlns:a16="http://schemas.microsoft.com/office/drawing/2014/main" id="{C9BBA4C6-C175-A8E0-4626-AA249DFE6E3A}"/>
+                <a16:creationId xmlns:a16="http://schemas.microsoft.com/office/drawing/2014/main" xmlns="" id="{C9BBA4C6-C175-A8E0-4626-AA249DFE6E3A}"/>
               </a:ext>
             </a:extLst>
           </p:cNvPr>
@@ -6959,7 +7020,7 @@
           <a:blip r:embed="rId2" cstate="print">
             <a:extLst>
               <a:ext uri="{28A0092B-C50C-407E-A947-70E740481C1C}">
-                <a14:useLocalDpi xmlns:a14="http://schemas.microsoft.com/office/drawing/2010/main" val="0"/>
+                <a14:useLocalDpi xmlns:a14="http://schemas.microsoft.com/office/drawing/2010/main" xmlns="" val="0"/>
               </a:ext>
             </a:extLst>
           </a:blip>
@@ -6989,7 +7050,7 @@
     </p:spTree>
     <p:extLst>
       <p:ext uri="{BB962C8B-B14F-4D97-AF65-F5344CB8AC3E}">
-        <p14:creationId xmlns:p14="http://schemas.microsoft.com/office/powerpoint/2010/main" val="1096001339"/>
+        <p14:creationId xmlns:p14="http://schemas.microsoft.com/office/powerpoint/2010/main" xmlns="" val="1096001339"/>
       </p:ext>
     </p:extLst>
   </p:cSld>
@@ -7007,7 +7068,7 @@
         <p:cNvPr id="1" name="">
           <a:extLst>
             <a:ext uri="{FF2B5EF4-FFF2-40B4-BE49-F238E27FC236}">
-              <a16:creationId xmlns:a16="http://schemas.microsoft.com/office/drawing/2014/main" id="{CFD8E1A4-36E9-90D6-896A-01FE7BD5B5EC}"/>
+              <a16:creationId xmlns:a16="http://schemas.microsoft.com/office/drawing/2014/main" xmlns="" id="{CFD8E1A4-36E9-90D6-896A-01FE7BD5B5EC}"/>
             </a:ext>
           </a:extLst>
         </p:cNvPr>
@@ -7027,7 +7088,7 @@
           <p:cNvPr id="2" name="Título 1">
             <a:extLst>
               <a:ext uri="{FF2B5EF4-FFF2-40B4-BE49-F238E27FC236}">
-                <a16:creationId xmlns:a16="http://schemas.microsoft.com/office/drawing/2014/main" id="{6B974B99-59CD-0F52-C63B-BCD9B784EAD3}"/>
+                <a16:creationId xmlns:a16="http://schemas.microsoft.com/office/drawing/2014/main" xmlns="" id="{6B974B99-59CD-0F52-C63B-BCD9B784EAD3}"/>
               </a:ext>
             </a:extLst>
           </p:cNvPr>
@@ -7083,7 +7144,7 @@
           <p:cNvPr id="6" name="Marcador de Posição de Conteúdo 2">
             <a:extLst>
               <a:ext uri="{FF2B5EF4-FFF2-40B4-BE49-F238E27FC236}">
-                <a16:creationId xmlns:a16="http://schemas.microsoft.com/office/drawing/2014/main" id="{92C15C4C-FC2C-AE18-4026-EBE2F0DC5331}"/>
+                <a16:creationId xmlns:a16="http://schemas.microsoft.com/office/drawing/2014/main" xmlns="" id="{92C15C4C-FC2C-AE18-4026-EBE2F0DC5331}"/>
               </a:ext>
             </a:extLst>
           </p:cNvPr>
@@ -7349,7 +7410,7 @@
           <p:cNvPr id="4" name="Imagem 3" descr="Uma imagem com texto, captura de ecrã, diagrama&#10;&#10;Descrição gerada automaticamente">
             <a:extLst>
               <a:ext uri="{FF2B5EF4-FFF2-40B4-BE49-F238E27FC236}">
-                <a16:creationId xmlns:a16="http://schemas.microsoft.com/office/drawing/2014/main" id="{D46D119F-E9C5-4A1B-C05F-415AC4CC7598}"/>
+                <a16:creationId xmlns:a16="http://schemas.microsoft.com/office/drawing/2014/main" xmlns="" id="{D46D119F-E9C5-4A1B-C05F-415AC4CC7598}"/>
               </a:ext>
             </a:extLst>
           </p:cNvPr>
@@ -7362,7 +7423,7 @@
           <a:blip r:embed="rId2">
             <a:extLst>
               <a:ext uri="{28A0092B-C50C-407E-A947-70E740481C1C}">
-                <a14:useLocalDpi xmlns:a14="http://schemas.microsoft.com/office/drawing/2010/main" val="0"/>
+                <a14:useLocalDpi xmlns:a14="http://schemas.microsoft.com/office/drawing/2010/main" xmlns="" val="0"/>
               </a:ext>
             </a:extLst>
           </a:blip>
@@ -7395,7 +7456,7 @@
           <p:cNvPr id="7" name="Imagem 6" descr="Uma imagem com texto, file, Gráfico, captura de ecrã&#10;&#10;Descrição gerada automaticamente">
             <a:extLst>
               <a:ext uri="{FF2B5EF4-FFF2-40B4-BE49-F238E27FC236}">
-                <a16:creationId xmlns:a16="http://schemas.microsoft.com/office/drawing/2014/main" id="{64A3735B-F9A1-A1B1-96B9-5BAFD4F061DE}"/>
+                <a16:creationId xmlns:a16="http://schemas.microsoft.com/office/drawing/2014/main" xmlns="" id="{64A3735B-F9A1-A1B1-96B9-5BAFD4F061DE}"/>
               </a:ext>
             </a:extLst>
           </p:cNvPr>
@@ -7408,7 +7469,7 @@
           <a:blip r:embed="rId3">
             <a:extLst>
               <a:ext uri="{28A0092B-C50C-407E-A947-70E740481C1C}">
-                <a14:useLocalDpi xmlns:a14="http://schemas.microsoft.com/office/drawing/2010/main" val="0"/>
+                <a14:useLocalDpi xmlns:a14="http://schemas.microsoft.com/office/drawing/2010/main" xmlns="" val="0"/>
               </a:ext>
             </a:extLst>
           </a:blip>
@@ -7439,7 +7500,7 @@
     </p:spTree>
     <p:extLst>
       <p:ext uri="{BB962C8B-B14F-4D97-AF65-F5344CB8AC3E}">
-        <p14:creationId xmlns:p14="http://schemas.microsoft.com/office/powerpoint/2010/main" val="3266980717"/>
+        <p14:creationId xmlns:p14="http://schemas.microsoft.com/office/powerpoint/2010/main" xmlns="" val="3266980717"/>
       </p:ext>
     </p:extLst>
   </p:cSld>
@@ -7457,7 +7518,7 @@
         <p:cNvPr id="1" name="">
           <a:extLst>
             <a:ext uri="{FF2B5EF4-FFF2-40B4-BE49-F238E27FC236}">
-              <a16:creationId xmlns:a16="http://schemas.microsoft.com/office/drawing/2014/main" id="{1243FECD-9BD0-9731-E0E5-EF4935E964F4}"/>
+              <a16:creationId xmlns:a16="http://schemas.microsoft.com/office/drawing/2014/main" xmlns="" id="{1243FECD-9BD0-9731-E0E5-EF4935E964F4}"/>
             </a:ext>
           </a:extLst>
         </p:cNvPr>
@@ -7477,7 +7538,7 @@
           <p:cNvPr id="2" name="Título 1">
             <a:extLst>
               <a:ext uri="{FF2B5EF4-FFF2-40B4-BE49-F238E27FC236}">
-                <a16:creationId xmlns:a16="http://schemas.microsoft.com/office/drawing/2014/main" id="{A21B4B85-C6A3-5D1F-EA0E-18852D134606}"/>
+                <a16:creationId xmlns:a16="http://schemas.microsoft.com/office/drawing/2014/main" xmlns="" id="{A21B4B85-C6A3-5D1F-EA0E-18852D134606}"/>
               </a:ext>
             </a:extLst>
           </p:cNvPr>
@@ -7525,7 +7586,7 @@
           <p:cNvPr id="6" name="Marcador de Posição de Conteúdo 2">
             <a:extLst>
               <a:ext uri="{FF2B5EF4-FFF2-40B4-BE49-F238E27FC236}">
-                <a16:creationId xmlns:a16="http://schemas.microsoft.com/office/drawing/2014/main" id="{A8ABAF31-85FD-31C7-0ADF-2F3744AB9567}"/>
+                <a16:creationId xmlns:a16="http://schemas.microsoft.com/office/drawing/2014/main" xmlns="" id="{A8ABAF31-85FD-31C7-0ADF-2F3744AB9567}"/>
               </a:ext>
             </a:extLst>
           </p:cNvPr>
@@ -7756,71 +7817,79 @@
           <a:p>
             <a:pPr algn="just"/>
             <a:r>
-              <a:rPr lang="pt-PT"/>
+              <a:rPr lang="pt-PT" dirty="0"/>
               <a:t>Durante a implementação do </a:t>
             </a:r>
             <a:r>
-              <a:rPr lang="pt-PT" err="1"/>
+              <a:rPr lang="pt-PT" dirty="0" err="1"/>
               <a:t>MinHash</a:t>
             </a:r>
             <a:r>
-              <a:rPr lang="pt-PT"/>
+              <a:rPr lang="pt-PT" dirty="0"/>
               <a:t> testámos diferentes valores de k (tamanho dos </a:t>
             </a:r>
             <a:r>
-              <a:rPr lang="pt-PT" err="1"/>
+              <a:rPr lang="pt-PT" dirty="0" err="1"/>
               <a:t>shingles</a:t>
             </a:r>
             <a:r>
-              <a:rPr lang="pt-PT"/>
+              <a:rPr lang="pt-PT" dirty="0"/>
               <a:t>) e de </a:t>
             </a:r>
             <a:r>
-              <a:rPr lang="pt-PT" err="1"/>
-              <a:t>nfh</a:t>
-            </a:r>
-            <a:r>
-              <a:rPr lang="pt-PT"/>
-              <a:t> (número de </a:t>
-            </a:r>
-            <a:r>
-              <a:rPr lang="pt-PT" err="1"/>
+              <a:rPr lang="pt-PT" dirty="0" err="1" smtClean="0"/>
+              <a:t>nhf</a:t>
+            </a:r>
+            <a:r>
+              <a:rPr lang="pt-PT" dirty="0" smtClean="0"/>
+              <a:t> </a:t>
+            </a:r>
+            <a:r>
+              <a:rPr lang="pt-PT" dirty="0"/>
+              <a:t>(número de </a:t>
+            </a:r>
+            <a:r>
+              <a:rPr lang="pt-PT" dirty="0" err="1"/>
               <a:t>hash</a:t>
             </a:r>
             <a:r>
-              <a:rPr lang="pt-PT"/>
+              <a:rPr lang="pt-PT" dirty="0"/>
               <a:t> </a:t>
             </a:r>
             <a:r>
-              <a:rPr lang="pt-PT" err="1"/>
+              <a:rPr lang="pt-PT" dirty="0" err="1"/>
               <a:t>functions</a:t>
             </a:r>
             <a:r>
-              <a:rPr lang="pt-PT"/>
+              <a:rPr lang="pt-PT" dirty="0"/>
               <a:t>), chegamos a conclusão que o melhor seria criar </a:t>
             </a:r>
             <a:r>
-              <a:rPr lang="pt-PT" err="1"/>
+              <a:rPr lang="pt-PT" dirty="0" err="1"/>
               <a:t>shingles</a:t>
             </a:r>
             <a:r>
-              <a:rPr lang="pt-PT"/>
+              <a:rPr lang="pt-PT" dirty="0"/>
               <a:t> com </a:t>
             </a:r>
             <a:r>
-              <a:rPr lang="pt-PT" b="1"/>
+              <a:rPr lang="pt-PT" b="1" dirty="0"/>
               <a:t>k = 3 </a:t>
             </a:r>
             <a:r>
-              <a:rPr lang="pt-PT"/>
-              <a:t>e usar o </a:t>
-            </a:r>
-            <a:r>
-              <a:rPr lang="pt-PT" b="1" err="1"/>
+              <a:rPr lang="pt-PT" dirty="0"/>
+              <a:t>e </a:t>
+            </a:r>
+            <a:r>
+              <a:rPr lang="pt-PT" dirty="0" smtClean="0"/>
+              <a:t>usar </a:t>
+            </a:r>
+            <a:r>
+              <a:rPr lang="pt-PT" b="1" dirty="0" err="1"/>
               <a:t>nhf</a:t>
             </a:r>
             <a:r>
-              <a:rPr lang="pt-PT" b="1"/>
+              <a:rPr lang="pt-PT" b="1" dirty="0"/>
               <a:t> = 300.</a:t>
             </a:r>
           </a:p>
@@ -7828,7 +7897,7 @@
             <a:pPr marL="0" indent="0" algn="just">
               <a:buNone/>
             </a:pPr>
-            <a:endParaRPr lang="pt-PT"/>
+            <a:endParaRPr lang="pt-PT" dirty="0"/>
           </a:p>
         </p:txBody>
       </p:sp>
@@ -7837,7 +7906,7 @@
           <p:cNvPr id="4" name="CaixaDeTexto 3">
             <a:extLst>
               <a:ext uri="{FF2B5EF4-FFF2-40B4-BE49-F238E27FC236}">
-                <a16:creationId xmlns:a16="http://schemas.microsoft.com/office/drawing/2014/main" id="{A0C6E901-D24B-CC71-0FC5-C6A9316E1D1D}"/>
+                <a16:creationId xmlns:a16="http://schemas.microsoft.com/office/drawing/2014/main" xmlns="" id="{A0C6E901-D24B-CC71-0FC5-C6A9316E1D1D}"/>
               </a:ext>
             </a:extLst>
           </p:cNvPr>
@@ -7958,7 +8027,7 @@
           <p:cNvPr id="5" name="Picture 4" descr="A screenshot of a graph&#10;&#10;Description automatically generated">
             <a:extLst>
               <a:ext uri="{FF2B5EF4-FFF2-40B4-BE49-F238E27FC236}">
-                <a16:creationId xmlns:a16="http://schemas.microsoft.com/office/drawing/2014/main" id="{C9B3D110-6A46-9D3C-0DC8-436F54FE203B}"/>
+                <a16:creationId xmlns:a16="http://schemas.microsoft.com/office/drawing/2014/main" xmlns="" id="{C9B3D110-6A46-9D3C-0DC8-436F54FE203B}"/>
               </a:ext>
             </a:extLst>
           </p:cNvPr>
@@ -7986,7 +8055,7 @@
     </p:spTree>
     <p:extLst>
       <p:ext uri="{BB962C8B-B14F-4D97-AF65-F5344CB8AC3E}">
-        <p14:creationId xmlns:p14="http://schemas.microsoft.com/office/powerpoint/2010/main" val="443895894"/>
+        <p14:creationId xmlns:p14="http://schemas.microsoft.com/office/powerpoint/2010/main" xmlns="" val="443895894"/>
       </p:ext>
     </p:extLst>
   </p:cSld>
@@ -8014,7 +8083,7 @@
         <p:cNvPr id="1" name="">
           <a:extLst>
             <a:ext uri="{FF2B5EF4-FFF2-40B4-BE49-F238E27FC236}">
-              <a16:creationId xmlns:a16="http://schemas.microsoft.com/office/drawing/2014/main" id="{0E158C83-05BE-8054-7F95-06E0686EE5CE}"/>
+              <a16:creationId xmlns:a16="http://schemas.microsoft.com/office/drawing/2014/main" xmlns="" id="{0E158C83-05BE-8054-7F95-06E0686EE5CE}"/>
             </a:ext>
           </a:extLst>
         </p:cNvPr>
@@ -8034,7 +8103,7 @@
           <p:cNvPr id="6" name="Retângulo 5">
             <a:extLst>
               <a:ext uri="{FF2B5EF4-FFF2-40B4-BE49-F238E27FC236}">
-                <a16:creationId xmlns:a16="http://schemas.microsoft.com/office/drawing/2014/main" id="{D3C759DB-D3D4-71AF-AD89-68B1CCA57C13}"/>
+                <a16:creationId xmlns:a16="http://schemas.microsoft.com/office/drawing/2014/main" xmlns="" id="{D3C759DB-D3D4-71AF-AD89-68B1CCA57C13}"/>
               </a:ext>
             </a:extLst>
           </p:cNvPr>
@@ -8088,7 +8157,7 @@
           <p:cNvPr id="2" name="Título 1">
             <a:extLst>
               <a:ext uri="{FF2B5EF4-FFF2-40B4-BE49-F238E27FC236}">
-                <a16:creationId xmlns:a16="http://schemas.microsoft.com/office/drawing/2014/main" id="{73384EB2-E887-DBB1-92EF-6728047F83DC}"/>
+                <a16:creationId xmlns:a16="http://schemas.microsoft.com/office/drawing/2014/main" xmlns="" id="{73384EB2-E887-DBB1-92EF-6728047F83DC}"/>
               </a:ext>
             </a:extLst>
           </p:cNvPr>
@@ -8143,7 +8212,7 @@
           <p:cNvPr id="3" name="Marcador de Posição de Conteúdo 2">
             <a:extLst>
               <a:ext uri="{FF2B5EF4-FFF2-40B4-BE49-F238E27FC236}">
-                <a16:creationId xmlns:a16="http://schemas.microsoft.com/office/drawing/2014/main" id="{FEBB8C4F-B1A6-6255-58C4-620B05D0A9D3}"/>
+                <a16:creationId xmlns:a16="http://schemas.microsoft.com/office/drawing/2014/main" xmlns="" id="{FEBB8C4F-B1A6-6255-58C4-620B05D0A9D3}"/>
               </a:ext>
             </a:extLst>
           </p:cNvPr>
@@ -8179,7 +8248,7 @@
           <p:cNvPr id="2050" name="Picture 2" descr="Software Design and Coding Shapes for PowerPoint">
             <a:extLst>
               <a:ext uri="{FF2B5EF4-FFF2-40B4-BE49-F238E27FC236}">
-                <a16:creationId xmlns:a16="http://schemas.microsoft.com/office/drawing/2014/main" id="{58E32F24-2634-D590-1802-B1529011A224}"/>
+                <a16:creationId xmlns:a16="http://schemas.microsoft.com/office/drawing/2014/main" xmlns="" id="{58E32F24-2634-D590-1802-B1529011A224}"/>
               </a:ext>
             </a:extLst>
           </p:cNvPr>
@@ -8192,7 +8261,7 @@
           <a:blip r:embed="rId2">
             <a:extLst>
               <a:ext uri="{28A0092B-C50C-407E-A947-70E740481C1C}">
-                <a14:useLocalDpi xmlns:a14="http://schemas.microsoft.com/office/drawing/2010/main" val="0"/>
+                <a14:useLocalDpi xmlns:a14="http://schemas.microsoft.com/office/drawing/2010/main" xmlns="" val="0"/>
               </a:ext>
             </a:extLst>
           </a:blip>
@@ -8210,7 +8279,7 @@
           <a:noFill/>
           <a:extLst>
             <a:ext uri="{909E8E84-426E-40DD-AFC4-6F175D3DCCD1}">
-              <a14:hiddenFill xmlns:a14="http://schemas.microsoft.com/office/drawing/2010/main">
+              <a14:hiddenFill xmlns:a14="http://schemas.microsoft.com/office/drawing/2010/main" xmlns="">
                 <a:solidFill>
                   <a:srgbClr val="FFFFFF"/>
                 </a:solidFill>
@@ -8222,7 +8291,7 @@
     </p:spTree>
     <p:extLst>
       <p:ext uri="{BB962C8B-B14F-4D97-AF65-F5344CB8AC3E}">
-        <p14:creationId xmlns:p14="http://schemas.microsoft.com/office/powerpoint/2010/main" val="1571249352"/>
+        <p14:creationId xmlns:p14="http://schemas.microsoft.com/office/powerpoint/2010/main" xmlns="" val="1571249352"/>
       </p:ext>
     </p:extLst>
   </p:cSld>
@@ -8240,7 +8309,7 @@
         <p:cNvPr id="1" name="">
           <a:extLst>
             <a:ext uri="{FF2B5EF4-FFF2-40B4-BE49-F238E27FC236}">
-              <a16:creationId xmlns:a16="http://schemas.microsoft.com/office/drawing/2014/main" id="{16DAB478-233B-5820-7674-D295B7AD1D56}"/>
+              <a16:creationId xmlns:a16="http://schemas.microsoft.com/office/drawing/2014/main" xmlns="" id="{16DAB478-233B-5820-7674-D295B7AD1D56}"/>
             </a:ext>
           </a:extLst>
         </p:cNvPr>
@@ -8260,7 +8329,7 @@
           <p:cNvPr id="2" name="Título 1">
             <a:extLst>
               <a:ext uri="{FF2B5EF4-FFF2-40B4-BE49-F238E27FC236}">
-                <a16:creationId xmlns:a16="http://schemas.microsoft.com/office/drawing/2014/main" id="{5B1CEE2C-2B3B-592D-665B-9A0191EF50E1}"/>
+                <a16:creationId xmlns:a16="http://schemas.microsoft.com/office/drawing/2014/main" xmlns="" id="{5B1CEE2C-2B3B-592D-665B-9A0191EF50E1}"/>
               </a:ext>
             </a:extLst>
           </p:cNvPr>
@@ -8292,7 +8361,7 @@
     </p:spTree>
     <p:extLst>
       <p:ext uri="{BB962C8B-B14F-4D97-AF65-F5344CB8AC3E}">
-        <p14:creationId xmlns:p14="http://schemas.microsoft.com/office/powerpoint/2010/main" val="4064376260"/>
+        <p14:creationId xmlns:p14="http://schemas.microsoft.com/office/powerpoint/2010/main" xmlns="" val="4064376260"/>
       </p:ext>
     </p:extLst>
   </p:cSld>
@@ -8324,7 +8393,7 @@
           <p:cNvPr id="2" name="Título 1">
             <a:extLst>
               <a:ext uri="{FF2B5EF4-FFF2-40B4-BE49-F238E27FC236}">
-                <a16:creationId xmlns:a16="http://schemas.microsoft.com/office/drawing/2014/main" id="{22F5C5A6-1BC0-8469-269F-62F8E046A1EF}"/>
+                <a16:creationId xmlns:a16="http://schemas.microsoft.com/office/drawing/2014/main" xmlns="" id="{22F5C5A6-1BC0-8469-269F-62F8E046A1EF}"/>
               </a:ext>
             </a:extLst>
           </p:cNvPr>
@@ -8357,7 +8426,7 @@
           <p:cNvPr id="3" name="Marcador de Posição de Conteúdo 2">
             <a:extLst>
               <a:ext uri="{FF2B5EF4-FFF2-40B4-BE49-F238E27FC236}">
-                <a16:creationId xmlns:a16="http://schemas.microsoft.com/office/drawing/2014/main" id="{667697CE-917E-4AE7-7546-0EFC45FBEA32}"/>
+                <a16:creationId xmlns:a16="http://schemas.microsoft.com/office/drawing/2014/main" xmlns="" id="{667697CE-917E-4AE7-7546-0EFC45FBEA32}"/>
               </a:ext>
             </a:extLst>
           </p:cNvPr>
@@ -8676,7 +8745,7 @@
     </p:spTree>
     <p:extLst>
       <p:ext uri="{BB962C8B-B14F-4D97-AF65-F5344CB8AC3E}">
-        <p14:creationId xmlns:p14="http://schemas.microsoft.com/office/powerpoint/2010/main" val="716741302"/>
+        <p14:creationId xmlns:p14="http://schemas.microsoft.com/office/powerpoint/2010/main" xmlns="" val="716741302"/>
       </p:ext>
     </p:extLst>
   </p:cSld>
@@ -8694,7 +8763,7 @@
         <p:cNvPr id="1" name="">
           <a:extLst>
             <a:ext uri="{FF2B5EF4-FFF2-40B4-BE49-F238E27FC236}">
-              <a16:creationId xmlns:a16="http://schemas.microsoft.com/office/drawing/2014/main" id="{C737374D-9B5B-6680-AC7E-A4A9B48BCB8B}"/>
+              <a16:creationId xmlns:a16="http://schemas.microsoft.com/office/drawing/2014/main" xmlns="" id="{C737374D-9B5B-6680-AC7E-A4A9B48BCB8B}"/>
             </a:ext>
           </a:extLst>
         </p:cNvPr>
@@ -8714,7 +8783,7 @@
           <p:cNvPr id="2" name="Título 1">
             <a:extLst>
               <a:ext uri="{FF2B5EF4-FFF2-40B4-BE49-F238E27FC236}">
-                <a16:creationId xmlns:a16="http://schemas.microsoft.com/office/drawing/2014/main" id="{6D32A5E8-B450-54D1-DB8A-47A72507C752}"/>
+                <a16:creationId xmlns:a16="http://schemas.microsoft.com/office/drawing/2014/main" xmlns="" id="{6D32A5E8-B450-54D1-DB8A-47A72507C752}"/>
               </a:ext>
             </a:extLst>
           </p:cNvPr>
@@ -8747,7 +8816,7 @@
           <p:cNvPr id="3" name="Marcador de Posição de Conteúdo 2">
             <a:extLst>
               <a:ext uri="{FF2B5EF4-FFF2-40B4-BE49-F238E27FC236}">
-                <a16:creationId xmlns:a16="http://schemas.microsoft.com/office/drawing/2014/main" id="{73E40BD3-105D-ABAB-248A-8B079AC21272}"/>
+                <a16:creationId xmlns:a16="http://schemas.microsoft.com/office/drawing/2014/main" xmlns="" id="{73E40BD3-105D-ABAB-248A-8B079AC21272}"/>
               </a:ext>
             </a:extLst>
           </p:cNvPr>
@@ -8813,7 +8882,7 @@
           <p:cNvPr id="1032" name="Picture 8" descr="Python (programming language) - Wikipedia">
             <a:extLst>
               <a:ext uri="{FF2B5EF4-FFF2-40B4-BE49-F238E27FC236}">
-                <a16:creationId xmlns:a16="http://schemas.microsoft.com/office/drawing/2014/main" id="{21E207A7-D339-8791-A0A7-C78795014C33}"/>
+                <a16:creationId xmlns:a16="http://schemas.microsoft.com/office/drawing/2014/main" xmlns="" id="{21E207A7-D339-8791-A0A7-C78795014C33}"/>
               </a:ext>
             </a:extLst>
           </p:cNvPr>
@@ -8826,7 +8895,7 @@
           <a:blip r:embed="rId2" cstate="print">
             <a:extLst>
               <a:ext uri="{28A0092B-C50C-407E-A947-70E740481C1C}">
-                <a14:useLocalDpi xmlns:a14="http://schemas.microsoft.com/office/drawing/2010/main" val="0"/>
+                <a14:useLocalDpi xmlns:a14="http://schemas.microsoft.com/office/drawing/2010/main" xmlns="" val="0"/>
               </a:ext>
             </a:extLst>
           </a:blip>
@@ -8846,7 +8915,7 @@
           <a:noFill/>
           <a:extLst>
             <a:ext uri="{909E8E84-426E-40DD-AFC4-6F175D3DCCD1}">
-              <a14:hiddenFill xmlns:a14="http://schemas.microsoft.com/office/drawing/2010/main">
+              <a14:hiddenFill xmlns:a14="http://schemas.microsoft.com/office/drawing/2010/main" xmlns="">
                 <a:solidFill>
                   <a:srgbClr val="FFFFFF"/>
                 </a:solidFill>
@@ -8860,7 +8929,7 @@
           <p:cNvPr id="7" name="Imagem 6">
             <a:extLst>
               <a:ext uri="{FF2B5EF4-FFF2-40B4-BE49-F238E27FC236}">
-                <a16:creationId xmlns:a16="http://schemas.microsoft.com/office/drawing/2014/main" id="{A7707479-7165-6E08-1292-E971F363E34A}"/>
+                <a16:creationId xmlns:a16="http://schemas.microsoft.com/office/drawing/2014/main" xmlns="" id="{A7707479-7165-6E08-1292-E971F363E34A}"/>
               </a:ext>
             </a:extLst>
           </p:cNvPr>
@@ -8897,7 +8966,7 @@
     </p:spTree>
     <p:extLst>
       <p:ext uri="{BB962C8B-B14F-4D97-AF65-F5344CB8AC3E}">
-        <p14:creationId xmlns:p14="http://schemas.microsoft.com/office/powerpoint/2010/main" val="1881496256"/>
+        <p14:creationId xmlns:p14="http://schemas.microsoft.com/office/powerpoint/2010/main" xmlns="" val="1881496256"/>
       </p:ext>
     </p:extLst>
   </p:cSld>
@@ -8915,7 +8984,7 @@
         <p:cNvPr id="1" name="">
           <a:extLst>
             <a:ext uri="{FF2B5EF4-FFF2-40B4-BE49-F238E27FC236}">
-              <a16:creationId xmlns:a16="http://schemas.microsoft.com/office/drawing/2014/main" id="{A141B3FA-8C08-D670-3232-C833995226F3}"/>
+              <a16:creationId xmlns:a16="http://schemas.microsoft.com/office/drawing/2014/main" xmlns="" id="{A141B3FA-8C08-D670-3232-C833995226F3}"/>
             </a:ext>
           </a:extLst>
         </p:cNvPr>
@@ -8935,7 +9004,7 @@
           <p:cNvPr id="2" name="Título 1">
             <a:extLst>
               <a:ext uri="{FF2B5EF4-FFF2-40B4-BE49-F238E27FC236}">
-                <a16:creationId xmlns:a16="http://schemas.microsoft.com/office/drawing/2014/main" id="{B6D680C5-2580-205D-99C2-08FA210FCA94}"/>
+                <a16:creationId xmlns:a16="http://schemas.microsoft.com/office/drawing/2014/main" xmlns="" id="{B6D680C5-2580-205D-99C2-08FA210FCA94}"/>
               </a:ext>
             </a:extLst>
           </p:cNvPr>
@@ -8968,7 +9037,7 @@
           <p:cNvPr id="6" name="Marcador de Posição de Conteúdo 2">
             <a:extLst>
               <a:ext uri="{FF2B5EF4-FFF2-40B4-BE49-F238E27FC236}">
-                <a16:creationId xmlns:a16="http://schemas.microsoft.com/office/drawing/2014/main" id="{1FB952EE-BF58-A74B-C7BB-C63E75BFA3A2}"/>
+                <a16:creationId xmlns:a16="http://schemas.microsoft.com/office/drawing/2014/main" xmlns="" id="{1FB952EE-BF58-A74B-C7BB-C63E75BFA3A2}"/>
               </a:ext>
             </a:extLst>
           </p:cNvPr>
@@ -9308,7 +9377,7 @@
     </p:spTree>
     <p:extLst>
       <p:ext uri="{BB962C8B-B14F-4D97-AF65-F5344CB8AC3E}">
-        <p14:creationId xmlns:p14="http://schemas.microsoft.com/office/powerpoint/2010/main" val="2070108590"/>
+        <p14:creationId xmlns:p14="http://schemas.microsoft.com/office/powerpoint/2010/main" xmlns="" val="2070108590"/>
       </p:ext>
     </p:extLst>
   </p:cSld>
@@ -9336,7 +9405,7 @@
         <p:cNvPr id="1" name="">
           <a:extLst>
             <a:ext uri="{FF2B5EF4-FFF2-40B4-BE49-F238E27FC236}">
-              <a16:creationId xmlns:a16="http://schemas.microsoft.com/office/drawing/2014/main" id="{4E8F7F84-2FEC-B918-413A-91EF154CC370}"/>
+              <a16:creationId xmlns:a16="http://schemas.microsoft.com/office/drawing/2014/main" xmlns="" id="{4E8F7F84-2FEC-B918-413A-91EF154CC370}"/>
             </a:ext>
           </a:extLst>
         </p:cNvPr>
@@ -9356,7 +9425,7 @@
           <p:cNvPr id="5" name="Imagem 4" descr="Uma imagem com texto, captura de ecrã, Gráficos, diagrama&#10;&#10;Descrição gerada automaticamente">
             <a:extLst>
               <a:ext uri="{FF2B5EF4-FFF2-40B4-BE49-F238E27FC236}">
-                <a16:creationId xmlns:a16="http://schemas.microsoft.com/office/drawing/2014/main" id="{68BFF1FF-ABB5-377C-E737-7B81DC035D34}"/>
+                <a16:creationId xmlns:a16="http://schemas.microsoft.com/office/drawing/2014/main" xmlns="" id="{68BFF1FF-ABB5-377C-E737-7B81DC035D34}"/>
               </a:ext>
             </a:extLst>
           </p:cNvPr>
@@ -9369,7 +9438,7 @@
           <a:blip r:embed="rId2">
             <a:extLst>
               <a:ext uri="{28A0092B-C50C-407E-A947-70E740481C1C}">
-                <a14:useLocalDpi xmlns:a14="http://schemas.microsoft.com/office/drawing/2010/main" val="0"/>
+                <a14:useLocalDpi xmlns:a14="http://schemas.microsoft.com/office/drawing/2010/main" xmlns="" val="0"/>
               </a:ext>
             </a:extLst>
           </a:blip>
@@ -9391,7 +9460,7 @@
           <p:cNvPr id="2" name="Título 1">
             <a:extLst>
               <a:ext uri="{FF2B5EF4-FFF2-40B4-BE49-F238E27FC236}">
-                <a16:creationId xmlns:a16="http://schemas.microsoft.com/office/drawing/2014/main" id="{F381B982-A8BE-7B9E-4EBE-45974D90B1D7}"/>
+                <a16:creationId xmlns:a16="http://schemas.microsoft.com/office/drawing/2014/main" xmlns="" id="{F381B982-A8BE-7B9E-4EBE-45974D90B1D7}"/>
               </a:ext>
             </a:extLst>
           </p:cNvPr>
@@ -9454,7 +9523,7 @@
           <p:cNvPr id="3" name="Marcador de Posição de Conteúdo 2">
             <a:extLst>
               <a:ext uri="{FF2B5EF4-FFF2-40B4-BE49-F238E27FC236}">
-                <a16:creationId xmlns:a16="http://schemas.microsoft.com/office/drawing/2014/main" id="{03A02AD7-E645-D23E-60D9-5B4E404F1DCB}"/>
+                <a16:creationId xmlns:a16="http://schemas.microsoft.com/office/drawing/2014/main" xmlns="" id="{03A02AD7-E645-D23E-60D9-5B4E404F1DCB}"/>
               </a:ext>
             </a:extLst>
           </p:cNvPr>
@@ -9498,7 +9567,7 @@
     </p:spTree>
     <p:extLst>
       <p:ext uri="{BB962C8B-B14F-4D97-AF65-F5344CB8AC3E}">
-        <p14:creationId xmlns:p14="http://schemas.microsoft.com/office/powerpoint/2010/main" val="4218342044"/>
+        <p14:creationId xmlns:p14="http://schemas.microsoft.com/office/powerpoint/2010/main" xmlns="" val="4218342044"/>
       </p:ext>
     </p:extLst>
   </p:cSld>
@@ -9516,7 +9585,7 @@
         <p:cNvPr id="1" name="">
           <a:extLst>
             <a:ext uri="{FF2B5EF4-FFF2-40B4-BE49-F238E27FC236}">
-              <a16:creationId xmlns:a16="http://schemas.microsoft.com/office/drawing/2014/main" id="{9DC06451-2CE7-64C3-803D-698332BA8015}"/>
+              <a16:creationId xmlns:a16="http://schemas.microsoft.com/office/drawing/2014/main" xmlns="" id="{9DC06451-2CE7-64C3-803D-698332BA8015}"/>
             </a:ext>
           </a:extLst>
         </p:cNvPr>
@@ -9536,7 +9605,7 @@
           <p:cNvPr id="2" name="Título 1">
             <a:extLst>
               <a:ext uri="{FF2B5EF4-FFF2-40B4-BE49-F238E27FC236}">
-                <a16:creationId xmlns:a16="http://schemas.microsoft.com/office/drawing/2014/main" id="{4563DC67-C18C-8FAF-CD52-E70BD403126A}"/>
+                <a16:creationId xmlns:a16="http://schemas.microsoft.com/office/drawing/2014/main" xmlns="" id="{4563DC67-C18C-8FAF-CD52-E70BD403126A}"/>
               </a:ext>
             </a:extLst>
           </p:cNvPr>
@@ -9563,6 +9632,10 @@
               <a:rPr lang="en-US" err="1"/>
               <a:t>Implementação</a:t>
             </a:r>
+            <a:r>
+              <a:rPr lang="en-US"/>
+              <a:t/>
+            </a:r>
             <a:br>
               <a:rPr lang="en-US"/>
             </a:br>
@@ -9579,7 +9652,7 @@
           <p:cNvPr id="6" name="Marcador de Posição de Conteúdo 2">
             <a:extLst>
               <a:ext uri="{FF2B5EF4-FFF2-40B4-BE49-F238E27FC236}">
-                <a16:creationId xmlns:a16="http://schemas.microsoft.com/office/drawing/2014/main" id="{FB641C10-7696-E4A4-A2D3-C1EFCAD7D106}"/>
+                <a16:creationId xmlns:a16="http://schemas.microsoft.com/office/drawing/2014/main" xmlns="" id="{FB641C10-7696-E4A4-A2D3-C1EFCAD7D106}"/>
               </a:ext>
             </a:extLst>
           </p:cNvPr>
@@ -9895,7 +9968,7 @@
           <p:cNvPr id="3" name="Picture 2">
             <a:extLst>
               <a:ext uri="{FF2B5EF4-FFF2-40B4-BE49-F238E27FC236}">
-                <a16:creationId xmlns:a16="http://schemas.microsoft.com/office/drawing/2014/main" id="{0EFDE9BC-1579-B1D3-FDA4-793DAEB86A42}"/>
+                <a16:creationId xmlns:a16="http://schemas.microsoft.com/office/drawing/2014/main" xmlns="" id="{0EFDE9BC-1579-B1D3-FDA4-793DAEB86A42}"/>
               </a:ext>
             </a:extLst>
           </p:cNvPr>
@@ -9934,7 +10007,7 @@
     </p:spTree>
     <p:extLst>
       <p:ext uri="{BB962C8B-B14F-4D97-AF65-F5344CB8AC3E}">
-        <p14:creationId xmlns:p14="http://schemas.microsoft.com/office/powerpoint/2010/main" val="1220289731"/>
+        <p14:creationId xmlns:p14="http://schemas.microsoft.com/office/powerpoint/2010/main" xmlns="" val="1220289731"/>
       </p:ext>
     </p:extLst>
   </p:cSld>
@@ -9952,7 +10025,7 @@
         <p:cNvPr id="1" name="">
           <a:extLst>
             <a:ext uri="{FF2B5EF4-FFF2-40B4-BE49-F238E27FC236}">
-              <a16:creationId xmlns:a16="http://schemas.microsoft.com/office/drawing/2014/main" id="{EB609049-B7D8-0D14-5610-AFA92CFC5A0F}"/>
+              <a16:creationId xmlns:a16="http://schemas.microsoft.com/office/drawing/2014/main" xmlns="" id="{EB609049-B7D8-0D14-5610-AFA92CFC5A0F}"/>
             </a:ext>
           </a:extLst>
         </p:cNvPr>
@@ -9972,7 +10045,7 @@
           <p:cNvPr id="2" name="Título 1">
             <a:extLst>
               <a:ext uri="{FF2B5EF4-FFF2-40B4-BE49-F238E27FC236}">
-                <a16:creationId xmlns:a16="http://schemas.microsoft.com/office/drawing/2014/main" id="{8EFE69CA-D6BD-E806-5642-8EAB260A9F2D}"/>
+                <a16:creationId xmlns:a16="http://schemas.microsoft.com/office/drawing/2014/main" xmlns="" id="{8EFE69CA-D6BD-E806-5642-8EAB260A9F2D}"/>
               </a:ext>
             </a:extLst>
           </p:cNvPr>
@@ -10030,7 +10103,7 @@
           <p:cNvPr id="6" name="Marcador de Posição de Conteúdo 2">
             <a:extLst>
               <a:ext uri="{FF2B5EF4-FFF2-40B4-BE49-F238E27FC236}">
-                <a16:creationId xmlns:a16="http://schemas.microsoft.com/office/drawing/2014/main" id="{BDF0ECEE-8734-08B6-DACA-AEA552EADA63}"/>
+                <a16:creationId xmlns:a16="http://schemas.microsoft.com/office/drawing/2014/main" xmlns="" id="{BDF0ECEE-8734-08B6-DACA-AEA552EADA63}"/>
               </a:ext>
             </a:extLst>
           </p:cNvPr>
@@ -10332,7 +10405,7 @@
           <p:cNvPr id="4" name="Imagem 3">
             <a:extLst>
               <a:ext uri="{FF2B5EF4-FFF2-40B4-BE49-F238E27FC236}">
-                <a16:creationId xmlns:a16="http://schemas.microsoft.com/office/drawing/2014/main" id="{10A7BAFA-A2DB-59A0-4DF4-0604BD35F9BD}"/>
+                <a16:creationId xmlns:a16="http://schemas.microsoft.com/office/drawing/2014/main" xmlns="" id="{10A7BAFA-A2DB-59A0-4DF4-0604BD35F9BD}"/>
               </a:ext>
             </a:extLst>
           </p:cNvPr>
@@ -10369,7 +10442,7 @@
     </p:spTree>
     <p:extLst>
       <p:ext uri="{BB962C8B-B14F-4D97-AF65-F5344CB8AC3E}">
-        <p14:creationId xmlns:p14="http://schemas.microsoft.com/office/powerpoint/2010/main" val="3564474897"/>
+        <p14:creationId xmlns:p14="http://schemas.microsoft.com/office/powerpoint/2010/main" xmlns="" val="3564474897"/>
       </p:ext>
     </p:extLst>
   </p:cSld>
@@ -10397,7 +10470,7 @@
         <p:cNvPr id="1" name="">
           <a:extLst>
             <a:ext uri="{FF2B5EF4-FFF2-40B4-BE49-F238E27FC236}">
-              <a16:creationId xmlns:a16="http://schemas.microsoft.com/office/drawing/2014/main" id="{9DC06451-2CE7-64C3-803D-698332BA8015}"/>
+              <a16:creationId xmlns:a16="http://schemas.microsoft.com/office/drawing/2014/main" xmlns="" id="{9DC06451-2CE7-64C3-803D-698332BA8015}"/>
             </a:ext>
           </a:extLst>
         </p:cNvPr>
@@ -10417,7 +10490,7 @@
           <p:cNvPr id="2" name="Título 1">
             <a:extLst>
               <a:ext uri="{FF2B5EF4-FFF2-40B4-BE49-F238E27FC236}">
-                <a16:creationId xmlns:a16="http://schemas.microsoft.com/office/drawing/2014/main" id="{4563DC67-C18C-8FAF-CD52-E70BD403126A}"/>
+                <a16:creationId xmlns:a16="http://schemas.microsoft.com/office/drawing/2014/main" xmlns="" id="{4563DC67-C18C-8FAF-CD52-E70BD403126A}"/>
               </a:ext>
             </a:extLst>
           </p:cNvPr>
@@ -10459,7 +10532,7 @@
           <p:cNvPr id="16" name="Marcador de Posição de Conteúdo 2">
             <a:extLst>
               <a:ext uri="{FF2B5EF4-FFF2-40B4-BE49-F238E27FC236}">
-                <a16:creationId xmlns:a16="http://schemas.microsoft.com/office/drawing/2014/main" id="{52CC481C-5CD1-6E35-057A-6DE1E3BABF08}"/>
+                <a16:creationId xmlns:a16="http://schemas.microsoft.com/office/drawing/2014/main" xmlns="" id="{52CC481C-5CD1-6E35-057A-6DE1E3BABF08}"/>
               </a:ext>
             </a:extLst>
           </p:cNvPr>
@@ -10467,7 +10540,7 @@
           <p:nvPr>
             <p:extLst>
               <p:ext uri="{D42A27DB-BD31-4B8C-83A1-F6EECF244321}">
-                <p14:modId xmlns:p14="http://schemas.microsoft.com/office/powerpoint/2010/main" val="3449888171"/>
+                <p14:modId xmlns:p14="http://schemas.microsoft.com/office/powerpoint/2010/main" xmlns="" val="3449888171"/>
               </p:ext>
             </p:extLst>
           </p:nvPr>
@@ -10485,7 +10558,7 @@
     </p:spTree>
     <p:extLst>
       <p:ext uri="{BB962C8B-B14F-4D97-AF65-F5344CB8AC3E}">
-        <p14:creationId xmlns:p14="http://schemas.microsoft.com/office/powerpoint/2010/main" val="3053181583"/>
+        <p14:creationId xmlns:p14="http://schemas.microsoft.com/office/powerpoint/2010/main" xmlns="" val="3053181583"/>
       </p:ext>
     </p:extLst>
   </p:cSld>
@@ -10513,7 +10586,7 @@
         <p:cNvPr id="1" name="">
           <a:extLst>
             <a:ext uri="{FF2B5EF4-FFF2-40B4-BE49-F238E27FC236}">
-              <a16:creationId xmlns:a16="http://schemas.microsoft.com/office/drawing/2014/main" id="{A5949987-F762-4804-0994-94D8C356545F}"/>
+              <a16:creationId xmlns:a16="http://schemas.microsoft.com/office/drawing/2014/main" xmlns="" id="{A5949987-F762-4804-0994-94D8C356545F}"/>
             </a:ext>
           </a:extLst>
         </p:cNvPr>
@@ -10533,7 +10606,7 @@
           <p:cNvPr id="7" name="Retângulo 6">
             <a:extLst>
               <a:ext uri="{FF2B5EF4-FFF2-40B4-BE49-F238E27FC236}">
-                <a16:creationId xmlns:a16="http://schemas.microsoft.com/office/drawing/2014/main" id="{2EB156B0-B260-7C22-2E14-200D9F7E3CDB}"/>
+                <a16:creationId xmlns:a16="http://schemas.microsoft.com/office/drawing/2014/main" xmlns="" id="{2EB156B0-B260-7C22-2E14-200D9F7E3CDB}"/>
               </a:ext>
             </a:extLst>
           </p:cNvPr>
@@ -10590,7 +10663,7 @@
           <p:cNvPr id="2" name="Título 1">
             <a:extLst>
               <a:ext uri="{FF2B5EF4-FFF2-40B4-BE49-F238E27FC236}">
-                <a16:creationId xmlns:a16="http://schemas.microsoft.com/office/drawing/2014/main" id="{A3AC854E-4B6F-9260-AE73-29333170693A}"/>
+                <a16:creationId xmlns:a16="http://schemas.microsoft.com/office/drawing/2014/main" xmlns="" id="{A3AC854E-4B6F-9260-AE73-29333170693A}"/>
               </a:ext>
             </a:extLst>
           </p:cNvPr>
@@ -10625,7 +10698,7 @@
           <p:cNvPr id="6" name="Imagem 5" descr="Uma imagem com texto, captura de ecrã, logótipo, Gráficos&#10;&#10;Descrição gerada automaticamente">
             <a:extLst>
               <a:ext uri="{FF2B5EF4-FFF2-40B4-BE49-F238E27FC236}">
-                <a16:creationId xmlns:a16="http://schemas.microsoft.com/office/drawing/2014/main" id="{CDB9908F-F5A2-D8BD-DEF0-0D96FB0E910F}"/>
+                <a16:creationId xmlns:a16="http://schemas.microsoft.com/office/drawing/2014/main" xmlns="" id="{CDB9908F-F5A2-D8BD-DEF0-0D96FB0E910F}"/>
               </a:ext>
             </a:extLst>
           </p:cNvPr>
@@ -10648,7 +10721,7 @@
             </a:clrChange>
             <a:extLst>
               <a:ext uri="{28A0092B-C50C-407E-A947-70E740481C1C}">
-                <a14:useLocalDpi xmlns:a14="http://schemas.microsoft.com/office/drawing/2010/main" val="0"/>
+                <a14:useLocalDpi xmlns:a14="http://schemas.microsoft.com/office/drawing/2010/main" xmlns="" val="0"/>
               </a:ext>
             </a:extLst>
           </a:blip>
@@ -10670,7 +10743,7 @@
           <p:cNvPr id="3" name="Marcador de Posição de Conteúdo 2">
             <a:extLst>
               <a:ext uri="{FF2B5EF4-FFF2-40B4-BE49-F238E27FC236}">
-                <a16:creationId xmlns:a16="http://schemas.microsoft.com/office/drawing/2014/main" id="{ADD7F8C9-D226-B7F8-3C9B-370DC58AA177}"/>
+                <a16:creationId xmlns:a16="http://schemas.microsoft.com/office/drawing/2014/main" xmlns="" id="{ADD7F8C9-D226-B7F8-3C9B-370DC58AA177}"/>
               </a:ext>
             </a:extLst>
           </p:cNvPr>
@@ -10706,7 +10779,7 @@
     </p:spTree>
     <p:extLst>
       <p:ext uri="{BB962C8B-B14F-4D97-AF65-F5344CB8AC3E}">
-        <p14:creationId xmlns:p14="http://schemas.microsoft.com/office/powerpoint/2010/main" val="4194795094"/>
+        <p14:creationId xmlns:p14="http://schemas.microsoft.com/office/powerpoint/2010/main" xmlns="" val="4194795094"/>
       </p:ext>
     </p:extLst>
   </p:cSld>
@@ -10759,7 +10832,7 @@
     </a:clrScheme>
     <a:fontScheme name="Pacote">
       <a:majorFont>
-        <a:latin typeface="Gill Sans MT" panose="020B0502020104020203"/>
+        <a:latin typeface="Gill Sans MT"/>
         <a:ea typeface=""/>
         <a:cs typeface=""/>
         <a:font script="Grek" typeface="Corbel"/>
@@ -10796,7 +10869,7 @@
         <a:font script="Geor" typeface="Sylfaen"/>
       </a:majorFont>
       <a:minorFont>
-        <a:latin typeface="Gill Sans MT" panose="020B0502020104020203"/>
+        <a:latin typeface="Gill Sans MT"/>
         <a:ea typeface=""/>
         <a:cs typeface=""/>
         <a:font script="Grek" typeface="Corbel"/>
@@ -10970,7 +11043,7 @@
   <a:extraClrSchemeLst/>
   <a:extLst>
     <a:ext uri="{05A4C25C-085E-4340-85A3-A5531E510DB2}">
-      <thm15:themeFamily xmlns:thm15="http://schemas.microsoft.com/office/thememl/2012/main" name="Parcel" id="{8BEC4385-4EB9-4D53-BFB5-0EA123736B6D}" vid="{4DB32801-28C0-48B0-8C1D-A9A58613615A}"/>
+      <thm15:themeFamily xmlns:thm15="http://schemas.microsoft.com/office/thememl/2012/main" xmlns="" name="Parcel" id="{8BEC4385-4EB9-4D53-BFB5-0EA123736B6D}" vid="{4DB32801-28C0-48B0-8C1D-A9A58613615A}"/>
     </a:ext>
   </a:extLst>
 </a:theme>
